--- a/05_01ForLoopCS152.pptx
+++ b/05_01ForLoopCS152.pptx
@@ -6,19 +6,20 @@
     <p:sldMasterId id="2147483686" r:id="rId5"/>
   </p:sldMasterIdLst>
   <p:notesMasterIdLst>
-    <p:notesMasterId r:id="rId16"/>
+    <p:notesMasterId r:id="rId17"/>
   </p:notesMasterIdLst>
   <p:sldIdLst>
     <p:sldId id="256" r:id="rId6"/>
     <p:sldId id="268" r:id="rId7"/>
     <p:sldId id="288" r:id="rId8"/>
-    <p:sldId id="290" r:id="rId9"/>
-    <p:sldId id="295" r:id="rId10"/>
-    <p:sldId id="296" r:id="rId11"/>
-    <p:sldId id="297" r:id="rId12"/>
-    <p:sldId id="298" r:id="rId13"/>
-    <p:sldId id="294" r:id="rId14"/>
-    <p:sldId id="299" r:id="rId15"/>
+    <p:sldId id="300" r:id="rId9"/>
+    <p:sldId id="290" r:id="rId10"/>
+    <p:sldId id="295" r:id="rId11"/>
+    <p:sldId id="296" r:id="rId12"/>
+    <p:sldId id="297" r:id="rId13"/>
+    <p:sldId id="298" r:id="rId14"/>
+    <p:sldId id="294" r:id="rId15"/>
+    <p:sldId id="299" r:id="rId16"/>
   </p:sldIdLst>
   <p:sldSz cx="9144000" cy="5143500" type="screen16x9"/>
   <p:notesSz cx="6858000" cy="9144000"/>
@@ -273,66 +274,44 @@
 <file path=ppt/changesInfos/changesInfo1.xml><?xml version="1.0" encoding="utf-8"?>
 <pc:chgInfo xmlns:a="http://schemas.openxmlformats.org/drawingml/2006/main" xmlns:r="http://schemas.openxmlformats.org/officeDocument/2006/relationships" xmlns:ac="http://schemas.microsoft.com/office/drawing/2013/main/command" xmlns:pc="http://schemas.microsoft.com/office/powerpoint/2013/main/command">
   <pc:docChgLst>
-    <pc:chgData name="Marcia Moraes" userId="c9c67e8a-58e2-4733-9a1c-5d44fec4775b" providerId="ADAL" clId="{2AAF1A66-FB23-4D5D-9D0F-62B0FA45EB32}"/>
-    <pc:docChg chg="undo custSel addSld delSld modSld">
-      <pc:chgData name="Marcia Moraes" userId="c9c67e8a-58e2-4733-9a1c-5d44fec4775b" providerId="ADAL" clId="{2AAF1A66-FB23-4D5D-9D0F-62B0FA45EB32}" dt="2022-09-18T23:44:06.407" v="1102" actId="1076"/>
+    <pc:chgData name="Marcia Moraes" userId="c9c67e8a-58e2-4733-9a1c-5d44fec4775b" providerId="ADAL" clId="{22C4023B-2D35-419E-8353-751459B56DFF}"/>
+    <pc:docChg chg="modSld">
+      <pc:chgData name="Marcia Moraes" userId="c9c67e8a-58e2-4733-9a1c-5d44fec4775b" providerId="ADAL" clId="{22C4023B-2D35-419E-8353-751459B56DFF}" dt="2023-02-12T23:15:20.631" v="2" actId="20577"/>
       <pc:docMkLst>
         <pc:docMk/>
       </pc:docMkLst>
       <pc:sldChg chg="modSp">
-        <pc:chgData name="Marcia Moraes" userId="c9c67e8a-58e2-4733-9a1c-5d44fec4775b" providerId="ADAL" clId="{2AAF1A66-FB23-4D5D-9D0F-62B0FA45EB32}" dt="2022-09-18T14:17:08.257" v="2" actId="20577"/>
-        <pc:sldMkLst>
-          <pc:docMk/>
-          <pc:sldMk cId="0" sldId="256"/>
-        </pc:sldMkLst>
-        <pc:spChg chg="mod">
-          <ac:chgData name="Marcia Moraes" userId="c9c67e8a-58e2-4733-9a1c-5d44fec4775b" providerId="ADAL" clId="{2AAF1A66-FB23-4D5D-9D0F-62B0FA45EB32}" dt="2022-09-18T14:17:08.257" v="2" actId="20577"/>
-          <ac:spMkLst>
-            <pc:docMk/>
-            <pc:sldMk cId="0" sldId="256"/>
-            <ac:spMk id="185" creationId="{00000000-0000-0000-0000-000000000000}"/>
-          </ac:spMkLst>
-        </pc:spChg>
-      </pc:sldChg>
-      <pc:sldChg chg="addSp delSp modSp">
-        <pc:chgData name="Marcia Moraes" userId="c9c67e8a-58e2-4733-9a1c-5d44fec4775b" providerId="ADAL" clId="{2AAF1A66-FB23-4D5D-9D0F-62B0FA45EB32}" dt="2022-09-18T14:20:30.706" v="17" actId="1076"/>
+        <pc:chgData name="Marcia Moraes" userId="c9c67e8a-58e2-4733-9a1c-5d44fec4775b" providerId="ADAL" clId="{22C4023B-2D35-419E-8353-751459B56DFF}" dt="2023-02-12T23:15:20.631" v="2" actId="20577"/>
         <pc:sldMkLst>
           <pc:docMk/>
           <pc:sldMk cId="2954226462" sldId="268"/>
         </pc:sldMkLst>
         <pc:spChg chg="mod">
-          <ac:chgData name="Marcia Moraes" userId="c9c67e8a-58e2-4733-9a1c-5d44fec4775b" providerId="ADAL" clId="{2AAF1A66-FB23-4D5D-9D0F-62B0FA45EB32}" dt="2022-09-18T14:17:47.674" v="13" actId="20577"/>
+          <ac:chgData name="Marcia Moraes" userId="c9c67e8a-58e2-4733-9a1c-5d44fec4775b" providerId="ADAL" clId="{22C4023B-2D35-419E-8353-751459B56DFF}" dt="2023-02-12T23:15:20.631" v="2" actId="20577"/>
           <ac:spMkLst>
             <pc:docMk/>
             <pc:sldMk cId="2954226462" sldId="268"/>
             <ac:spMk id="7" creationId="{F1F79DD2-1F3F-234C-A44A-3A87D436D29A}"/>
           </ac:spMkLst>
         </pc:spChg>
-        <pc:picChg chg="add mod">
-          <ac:chgData name="Marcia Moraes" userId="c9c67e8a-58e2-4733-9a1c-5d44fec4775b" providerId="ADAL" clId="{2AAF1A66-FB23-4D5D-9D0F-62B0FA45EB32}" dt="2022-09-18T14:20:30.706" v="17" actId="1076"/>
-          <ac:picMkLst>
-            <pc:docMk/>
-            <pc:sldMk cId="2954226462" sldId="268"/>
-            <ac:picMk id="2" creationId="{4F1416BA-5F97-48EA-849F-F9B00741ED6F}"/>
-          </ac:picMkLst>
-        </pc:picChg>
-        <pc:picChg chg="del">
-          <ac:chgData name="Marcia Moraes" userId="c9c67e8a-58e2-4733-9a1c-5d44fec4775b" providerId="ADAL" clId="{2AAF1A66-FB23-4D5D-9D0F-62B0FA45EB32}" dt="2022-09-18T14:20:22.549" v="14" actId="478"/>
-          <ac:picMkLst>
-            <pc:docMk/>
-            <pc:sldMk cId="2954226462" sldId="268"/>
-            <ac:picMk id="1026" creationId="{A3571F68-6962-EC08-166F-EDEBF7C80F52}"/>
-          </ac:picMkLst>
-        </pc:picChg>
       </pc:sldChg>
-      <pc:sldChg chg="addSp delSp modSp">
-        <pc:chgData name="Marcia Moraes" userId="c9c67e8a-58e2-4733-9a1c-5d44fec4775b" providerId="ADAL" clId="{2AAF1A66-FB23-4D5D-9D0F-62B0FA45EB32}" dt="2022-09-18T14:25:18.433" v="81" actId="1076"/>
+    </pc:docChg>
+  </pc:docChgLst>
+  <pc:docChgLst>
+    <pc:chgData name="Moraes,Marcia" userId="c9c67e8a-58e2-4733-9a1c-5d44fec4775b" providerId="ADAL" clId="{22C4023B-2D35-419E-8353-751459B56DFF}"/>
+    <pc:docChg chg="custSel addSld delSld modSld">
+      <pc:chgData name="Moraes,Marcia" userId="c9c67e8a-58e2-4733-9a1c-5d44fec4775b" providerId="ADAL" clId="{22C4023B-2D35-419E-8353-751459B56DFF}" dt="2023-02-12T23:21:40.983" v="250" actId="20577"/>
+      <pc:docMkLst>
+        <pc:docMk/>
+      </pc:docMkLst>
+      <pc:sldChg chg="modSp">
+        <pc:chgData name="Moraes,Marcia" userId="c9c67e8a-58e2-4733-9a1c-5d44fec4775b" providerId="ADAL" clId="{22C4023B-2D35-419E-8353-751459B56DFF}" dt="2023-02-12T23:21:40.983" v="250" actId="20577"/>
         <pc:sldMkLst>
           <pc:docMk/>
           <pc:sldMk cId="1172125351" sldId="288"/>
         </pc:sldMkLst>
         <pc:spChg chg="mod">
-          <ac:chgData name="Marcia Moraes" userId="c9c67e8a-58e2-4733-9a1c-5d44fec4775b" providerId="ADAL" clId="{2AAF1A66-FB23-4D5D-9D0F-62B0FA45EB32}" dt="2022-09-18T14:25:18.433" v="81" actId="1076"/>
+          <ac:chgData name="Moraes,Marcia" userId="c9c67e8a-58e2-4733-9a1c-5d44fec4775b" providerId="ADAL" clId="{22C4023B-2D35-419E-8353-751459B56DFF}" dt="2023-02-12T23:21:35.831" v="248" actId="20577"/>
           <ac:spMkLst>
             <pc:docMk/>
             <pc:sldMk cId="1172125351" sldId="288"/>
@@ -340,340 +319,32 @@
           </ac:spMkLst>
         </pc:spChg>
         <pc:spChg chg="mod">
-          <ac:chgData name="Marcia Moraes" userId="c9c67e8a-58e2-4733-9a1c-5d44fec4775b" providerId="ADAL" clId="{2AAF1A66-FB23-4D5D-9D0F-62B0FA45EB32}" dt="2022-09-18T14:25:15.387" v="80" actId="1076"/>
+          <ac:chgData name="Moraes,Marcia" userId="c9c67e8a-58e2-4733-9a1c-5d44fec4775b" providerId="ADAL" clId="{22C4023B-2D35-419E-8353-751459B56DFF}" dt="2023-02-12T23:21:40.983" v="250" actId="20577"/>
           <ac:spMkLst>
             <pc:docMk/>
             <pc:sldMk cId="1172125351" sldId="288"/>
             <ac:spMk id="3" creationId="{93E01694-2C32-BA4D-B6F8-4BE99716E841}"/>
           </ac:spMkLst>
         </pc:spChg>
-        <pc:spChg chg="add del">
-          <ac:chgData name="Marcia Moraes" userId="c9c67e8a-58e2-4733-9a1c-5d44fec4775b" providerId="ADAL" clId="{2AAF1A66-FB23-4D5D-9D0F-62B0FA45EB32}" dt="2022-09-18T14:24:09.629" v="74" actId="478"/>
-          <ac:spMkLst>
-            <pc:docMk/>
-            <pc:sldMk cId="1172125351" sldId="288"/>
-            <ac:spMk id="4" creationId="{1545F517-01AE-41F8-BA42-4084552B5D42}"/>
-          </ac:spMkLst>
-        </pc:spChg>
-        <pc:spChg chg="del">
-          <ac:chgData name="Marcia Moraes" userId="c9c67e8a-58e2-4733-9a1c-5d44fec4775b" providerId="ADAL" clId="{2AAF1A66-FB23-4D5D-9D0F-62B0FA45EB32}" dt="2022-09-18T14:21:45.659" v="69" actId="478"/>
-          <ac:spMkLst>
-            <pc:docMk/>
-            <pc:sldMk cId="1172125351" sldId="288"/>
-            <ac:spMk id="5" creationId="{3709B45A-84BC-B10A-FD04-28C712DD173A}"/>
-          </ac:spMkLst>
-        </pc:spChg>
-        <pc:spChg chg="del">
-          <ac:chgData name="Marcia Moraes" userId="c9c67e8a-58e2-4733-9a1c-5d44fec4775b" providerId="ADAL" clId="{2AAF1A66-FB23-4D5D-9D0F-62B0FA45EB32}" dt="2022-09-18T14:21:47.486" v="70" actId="478"/>
-          <ac:spMkLst>
-            <pc:docMk/>
-            <pc:sldMk cId="1172125351" sldId="288"/>
-            <ac:spMk id="6" creationId="{87A8683E-BD85-5661-8AE8-A4784F57D0DA}"/>
-          </ac:spMkLst>
-        </pc:spChg>
       </pc:sldChg>
-      <pc:sldChg chg="del">
-        <pc:chgData name="Marcia Moraes" userId="c9c67e8a-58e2-4733-9a1c-5d44fec4775b" providerId="ADAL" clId="{2AAF1A66-FB23-4D5D-9D0F-62B0FA45EB32}" dt="2022-09-18T22:57:18.792" v="156" actId="2696"/>
+      <pc:sldChg chg="add">
+        <pc:chgData name="Moraes,Marcia" userId="c9c67e8a-58e2-4733-9a1c-5d44fec4775b" providerId="ADAL" clId="{22C4023B-2D35-419E-8353-751459B56DFF}" dt="2023-02-12T23:20:02.428" v="2"/>
         <pc:sldMkLst>
           <pc:docMk/>
-          <pc:sldMk cId="3118603277" sldId="289"/>
+          <pc:sldMk cId="1981889249" sldId="300"/>
         </pc:sldMkLst>
       </pc:sldChg>
-      <pc:sldChg chg="addSp delSp modSp">
-        <pc:chgData name="Marcia Moraes" userId="c9c67e8a-58e2-4733-9a1c-5d44fec4775b" providerId="ADAL" clId="{2AAF1A66-FB23-4D5D-9D0F-62B0FA45EB32}" dt="2022-09-18T14:28:10.227" v="106" actId="1076"/>
+      <pc:sldChg chg="add del">
+        <pc:chgData name="Moraes,Marcia" userId="c9c67e8a-58e2-4733-9a1c-5d44fec4775b" providerId="ADAL" clId="{22C4023B-2D35-419E-8353-751459B56DFF}" dt="2023-02-12T23:19:59.776" v="1"/>
         <pc:sldMkLst>
           <pc:docMk/>
-          <pc:sldMk cId="1952093133" sldId="290"/>
-        </pc:sldMkLst>
-        <pc:spChg chg="mod">
-          <ac:chgData name="Marcia Moraes" userId="c9c67e8a-58e2-4733-9a1c-5d44fec4775b" providerId="ADAL" clId="{2AAF1A66-FB23-4D5D-9D0F-62B0FA45EB32}" dt="2022-09-18T14:28:10.227" v="106" actId="1076"/>
-          <ac:spMkLst>
-            <pc:docMk/>
-            <pc:sldMk cId="1952093133" sldId="290"/>
-            <ac:spMk id="2" creationId="{6302E6FC-80C8-2F4C-A9F0-9B205434775A}"/>
-          </ac:spMkLst>
-        </pc:spChg>
-        <pc:spChg chg="del">
-          <ac:chgData name="Marcia Moraes" userId="c9c67e8a-58e2-4733-9a1c-5d44fec4775b" providerId="ADAL" clId="{2AAF1A66-FB23-4D5D-9D0F-62B0FA45EB32}" dt="2022-09-18T14:27:39.739" v="104" actId="478"/>
-          <ac:spMkLst>
-            <pc:docMk/>
-            <pc:sldMk cId="1952093133" sldId="290"/>
-            <ac:spMk id="5" creationId="{374EE40D-A837-C807-F9A5-A4C388DE9218}"/>
-          </ac:spMkLst>
-        </pc:spChg>
-        <pc:picChg chg="add">
-          <ac:chgData name="Marcia Moraes" userId="c9c67e8a-58e2-4733-9a1c-5d44fec4775b" providerId="ADAL" clId="{2AAF1A66-FB23-4D5D-9D0F-62B0FA45EB32}" dt="2022-09-18T14:28:02.030" v="105"/>
-          <ac:picMkLst>
-            <pc:docMk/>
-            <pc:sldMk cId="1952093133" sldId="290"/>
-            <ac:picMk id="3" creationId="{DB74BFEA-65CC-4CBC-B1A8-E4362FA6E345}"/>
-          </ac:picMkLst>
-        </pc:picChg>
-        <pc:picChg chg="del">
-          <ac:chgData name="Marcia Moraes" userId="c9c67e8a-58e2-4733-9a1c-5d44fec4775b" providerId="ADAL" clId="{2AAF1A66-FB23-4D5D-9D0F-62B0FA45EB32}" dt="2022-09-18T14:27:36.220" v="103" actId="478"/>
-          <ac:picMkLst>
-            <pc:docMk/>
-            <pc:sldMk cId="1952093133" sldId="290"/>
-            <ac:picMk id="7" creationId="{399D2CA0-DC45-1C1C-5F54-9677E33A0F92}"/>
-          </ac:picMkLst>
-        </pc:picChg>
-      </pc:sldChg>
-      <pc:sldChg chg="del">
-        <pc:chgData name="Marcia Moraes" userId="c9c67e8a-58e2-4733-9a1c-5d44fec4775b" providerId="ADAL" clId="{2AAF1A66-FB23-4D5D-9D0F-62B0FA45EB32}" dt="2022-09-18T22:57:21.398" v="157" actId="2696"/>
-        <pc:sldMkLst>
-          <pc:docMk/>
-          <pc:sldMk cId="1723161716" sldId="291"/>
+          <pc:sldMk cId="3590947353" sldId="300"/>
         </pc:sldMkLst>
       </pc:sldChg>
-      <pc:sldChg chg="del">
-        <pc:chgData name="Marcia Moraes" userId="c9c67e8a-58e2-4733-9a1c-5d44fec4775b" providerId="ADAL" clId="{2AAF1A66-FB23-4D5D-9D0F-62B0FA45EB32}" dt="2022-09-18T22:57:22.629" v="158" actId="2696"/>
-        <pc:sldMkLst>
-          <pc:docMk/>
-          <pc:sldMk cId="3953553165" sldId="292"/>
-        </pc:sldMkLst>
-      </pc:sldChg>
-      <pc:sldChg chg="del">
-        <pc:chgData name="Marcia Moraes" userId="c9c67e8a-58e2-4733-9a1c-5d44fec4775b" providerId="ADAL" clId="{2AAF1A66-FB23-4D5D-9D0F-62B0FA45EB32}" dt="2022-09-18T22:57:24.771" v="159" actId="2696"/>
-        <pc:sldMkLst>
-          <pc:docMk/>
-          <pc:sldMk cId="407673235" sldId="293"/>
-        </pc:sldMkLst>
-      </pc:sldChg>
-      <pc:sldChg chg="modSp">
-        <pc:chgData name="Marcia Moraes" userId="c9c67e8a-58e2-4733-9a1c-5d44fec4775b" providerId="ADAL" clId="{2AAF1A66-FB23-4D5D-9D0F-62B0FA45EB32}" dt="2022-09-18T23:32:08.239" v="880" actId="20577"/>
-        <pc:sldMkLst>
-          <pc:docMk/>
-          <pc:sldMk cId="1028946880" sldId="294"/>
-        </pc:sldMkLst>
-        <pc:spChg chg="mod">
-          <ac:chgData name="Marcia Moraes" userId="c9c67e8a-58e2-4733-9a1c-5d44fec4775b" providerId="ADAL" clId="{2AAF1A66-FB23-4D5D-9D0F-62B0FA45EB32}" dt="2022-09-18T23:31:44.140" v="831" actId="20577"/>
-          <ac:spMkLst>
-            <pc:docMk/>
-            <pc:sldMk cId="1028946880" sldId="294"/>
-            <ac:spMk id="2" creationId="{6302E6FC-80C8-2F4C-A9F0-9B205434775A}"/>
-          </ac:spMkLst>
-        </pc:spChg>
-        <pc:spChg chg="mod">
-          <ac:chgData name="Marcia Moraes" userId="c9c67e8a-58e2-4733-9a1c-5d44fec4775b" providerId="ADAL" clId="{2AAF1A66-FB23-4D5D-9D0F-62B0FA45EB32}" dt="2022-09-18T23:32:08.239" v="880" actId="20577"/>
-          <ac:spMkLst>
-            <pc:docMk/>
-            <pc:sldMk cId="1028946880" sldId="294"/>
-            <ac:spMk id="3" creationId="{93E01694-2C32-BA4D-B6F8-4BE99716E841}"/>
-          </ac:spMkLst>
-        </pc:spChg>
-      </pc:sldChg>
-      <pc:sldChg chg="addSp delSp modSp add">
-        <pc:chgData name="Marcia Moraes" userId="c9c67e8a-58e2-4733-9a1c-5d44fec4775b" providerId="ADAL" clId="{2AAF1A66-FB23-4D5D-9D0F-62B0FA45EB32}" dt="2022-09-18T22:56:55.469" v="155" actId="692"/>
-        <pc:sldMkLst>
-          <pc:docMk/>
-          <pc:sldMk cId="603826668" sldId="295"/>
-        </pc:sldMkLst>
-        <pc:spChg chg="add mod">
-          <ac:chgData name="Marcia Moraes" userId="c9c67e8a-58e2-4733-9a1c-5d44fec4775b" providerId="ADAL" clId="{2AAF1A66-FB23-4D5D-9D0F-62B0FA45EB32}" dt="2022-09-18T22:56:55.469" v="155" actId="692"/>
-          <ac:spMkLst>
-            <pc:docMk/>
-            <pc:sldMk cId="603826668" sldId="295"/>
-            <ac:spMk id="4" creationId="{C594372A-E024-46D8-A535-B3E15B9EC9DD}"/>
-          </ac:spMkLst>
-        </pc:spChg>
-        <pc:spChg chg="add mod">
-          <ac:chgData name="Marcia Moraes" userId="c9c67e8a-58e2-4733-9a1c-5d44fec4775b" providerId="ADAL" clId="{2AAF1A66-FB23-4D5D-9D0F-62B0FA45EB32}" dt="2022-09-18T22:56:51.151" v="153" actId="692"/>
-          <ac:spMkLst>
-            <pc:docMk/>
-            <pc:sldMk cId="603826668" sldId="295"/>
-            <ac:spMk id="5" creationId="{A4E30DC2-C5FD-4274-A500-F38D8A669ED3}"/>
-          </ac:spMkLst>
-        </pc:spChg>
-        <pc:picChg chg="del">
-          <ac:chgData name="Marcia Moraes" userId="c9c67e8a-58e2-4733-9a1c-5d44fec4775b" providerId="ADAL" clId="{2AAF1A66-FB23-4D5D-9D0F-62B0FA45EB32}" dt="2022-09-18T22:53:54.455" v="108" actId="478"/>
-          <ac:picMkLst>
-            <pc:docMk/>
-            <pc:sldMk cId="603826668" sldId="295"/>
-            <ac:picMk id="3" creationId="{DB74BFEA-65CC-4CBC-B1A8-E4362FA6E345}"/>
-          </ac:picMkLst>
-        </pc:picChg>
-      </pc:sldChg>
-      <pc:sldChg chg="addSp delSp modSp add">
-        <pc:chgData name="Marcia Moraes" userId="c9c67e8a-58e2-4733-9a1c-5d44fec4775b" providerId="ADAL" clId="{2AAF1A66-FB23-4D5D-9D0F-62B0FA45EB32}" dt="2022-09-18T23:09:03.304" v="213" actId="20577"/>
-        <pc:sldMkLst>
-          <pc:docMk/>
-          <pc:sldMk cId="618935601" sldId="296"/>
-        </pc:sldMkLst>
-        <pc:spChg chg="mod">
-          <ac:chgData name="Marcia Moraes" userId="c9c67e8a-58e2-4733-9a1c-5d44fec4775b" providerId="ADAL" clId="{2AAF1A66-FB23-4D5D-9D0F-62B0FA45EB32}" dt="2022-09-18T23:09:03.304" v="213" actId="20577"/>
-          <ac:spMkLst>
-            <pc:docMk/>
-            <pc:sldMk cId="618935601" sldId="296"/>
-            <ac:spMk id="2" creationId="{6302E6FC-80C8-2F4C-A9F0-9B205434775A}"/>
-          </ac:spMkLst>
-        </pc:spChg>
-        <pc:spChg chg="add del mod">
-          <ac:chgData name="Marcia Moraes" userId="c9c67e8a-58e2-4733-9a1c-5d44fec4775b" providerId="ADAL" clId="{2AAF1A66-FB23-4D5D-9D0F-62B0FA45EB32}" dt="2022-09-18T23:00:01.344" v="175" actId="478"/>
-          <ac:spMkLst>
-            <pc:docMk/>
-            <pc:sldMk cId="618935601" sldId="296"/>
-            <ac:spMk id="3" creationId="{D500FE04-231D-4900-9B1A-77AC42B825EE}"/>
-          </ac:spMkLst>
-        </pc:spChg>
-        <pc:spChg chg="del mod">
-          <ac:chgData name="Marcia Moraes" userId="c9c67e8a-58e2-4733-9a1c-5d44fec4775b" providerId="ADAL" clId="{2AAF1A66-FB23-4D5D-9D0F-62B0FA45EB32}" dt="2022-09-18T23:08:25.999" v="197" actId="478"/>
-          <ac:spMkLst>
-            <pc:docMk/>
-            <pc:sldMk cId="618935601" sldId="296"/>
-            <ac:spMk id="4" creationId="{C594372A-E024-46D8-A535-B3E15B9EC9DD}"/>
-          </ac:spMkLst>
-        </pc:spChg>
-        <pc:spChg chg="del">
-          <ac:chgData name="Marcia Moraes" userId="c9c67e8a-58e2-4733-9a1c-5d44fec4775b" providerId="ADAL" clId="{2AAF1A66-FB23-4D5D-9D0F-62B0FA45EB32}" dt="2022-09-18T22:58:05.952" v="170" actId="478"/>
-          <ac:spMkLst>
-            <pc:docMk/>
-            <pc:sldMk cId="618935601" sldId="296"/>
-            <ac:spMk id="5" creationId="{A4E30DC2-C5FD-4274-A500-F38D8A669ED3}"/>
-          </ac:spMkLst>
-        </pc:spChg>
-        <pc:spChg chg="add del mod">
-          <ac:chgData name="Marcia Moraes" userId="c9c67e8a-58e2-4733-9a1c-5d44fec4775b" providerId="ADAL" clId="{2AAF1A66-FB23-4D5D-9D0F-62B0FA45EB32}" dt="2022-09-18T23:08:26.812" v="198" actId="478"/>
-          <ac:spMkLst>
-            <pc:docMk/>
-            <pc:sldMk cId="618935601" sldId="296"/>
-            <ac:spMk id="6" creationId="{6ADF9204-33E9-454D-9F0D-9A14A73C2280}"/>
-          </ac:spMkLst>
-        </pc:spChg>
-        <pc:spChg chg="add del">
-          <ac:chgData name="Marcia Moraes" userId="c9c67e8a-58e2-4733-9a1c-5d44fec4775b" providerId="ADAL" clId="{2AAF1A66-FB23-4D5D-9D0F-62B0FA45EB32}" dt="2022-09-18T23:08:28.480" v="199" actId="478"/>
-          <ac:spMkLst>
-            <pc:docMk/>
-            <pc:sldMk cId="618935601" sldId="296"/>
-            <ac:spMk id="7" creationId="{4D5F655D-7CA1-4A43-B07C-2FA5396BD3A9}"/>
-          </ac:spMkLst>
-        </pc:spChg>
-        <pc:spChg chg="add del">
-          <ac:chgData name="Marcia Moraes" userId="c9c67e8a-58e2-4733-9a1c-5d44fec4775b" providerId="ADAL" clId="{2AAF1A66-FB23-4D5D-9D0F-62B0FA45EB32}" dt="2022-09-18T23:08:24.126" v="196" actId="478"/>
-          <ac:spMkLst>
-            <pc:docMk/>
-            <pc:sldMk cId="618935601" sldId="296"/>
-            <ac:spMk id="8" creationId="{A32062D6-2DEF-4744-B3CE-EAF154C91655}"/>
-          </ac:spMkLst>
-        </pc:spChg>
-        <pc:picChg chg="add">
-          <ac:chgData name="Marcia Moraes" userId="c9c67e8a-58e2-4733-9a1c-5d44fec4775b" providerId="ADAL" clId="{2AAF1A66-FB23-4D5D-9D0F-62B0FA45EB32}" dt="2022-09-18T23:08:53.732" v="200"/>
-          <ac:picMkLst>
-            <pc:docMk/>
-            <pc:sldMk cId="618935601" sldId="296"/>
-            <ac:picMk id="9" creationId="{DAD82F74-39AB-436E-B6C9-15AE8003AFED}"/>
-          </ac:picMkLst>
-        </pc:picChg>
-      </pc:sldChg>
-      <pc:sldChg chg="addSp delSp modSp add modAnim">
-        <pc:chgData name="Marcia Moraes" userId="c9c67e8a-58e2-4733-9a1c-5d44fec4775b" providerId="ADAL" clId="{2AAF1A66-FB23-4D5D-9D0F-62B0FA45EB32}" dt="2022-09-18T23:19:30.504" v="267"/>
-        <pc:sldMkLst>
-          <pc:docMk/>
-          <pc:sldMk cId="3942909976" sldId="297"/>
-        </pc:sldMkLst>
-        <pc:spChg chg="mod">
-          <ac:chgData name="Marcia Moraes" userId="c9c67e8a-58e2-4733-9a1c-5d44fec4775b" providerId="ADAL" clId="{2AAF1A66-FB23-4D5D-9D0F-62B0FA45EB32}" dt="2022-09-18T23:13:03.477" v="228" actId="6549"/>
-          <ac:spMkLst>
-            <pc:docMk/>
-            <pc:sldMk cId="3942909976" sldId="297"/>
-            <ac:spMk id="2" creationId="{6302E6FC-80C8-2F4C-A9F0-9B205434775A}"/>
-          </ac:spMkLst>
-        </pc:spChg>
-        <pc:spChg chg="del">
-          <ac:chgData name="Marcia Moraes" userId="c9c67e8a-58e2-4733-9a1c-5d44fec4775b" providerId="ADAL" clId="{2AAF1A66-FB23-4D5D-9D0F-62B0FA45EB32}" dt="2022-09-18T23:13:45.888" v="230" actId="478"/>
-          <ac:spMkLst>
-            <pc:docMk/>
-            <pc:sldMk cId="3942909976" sldId="297"/>
-            <ac:spMk id="4" creationId="{C594372A-E024-46D8-A535-B3E15B9EC9DD}"/>
-          </ac:spMkLst>
-        </pc:spChg>
-        <pc:spChg chg="mod">
-          <ac:chgData name="Marcia Moraes" userId="c9c67e8a-58e2-4733-9a1c-5d44fec4775b" providerId="ADAL" clId="{2AAF1A66-FB23-4D5D-9D0F-62B0FA45EB32}" dt="2022-09-18T23:14:32.103" v="234" actId="1076"/>
-          <ac:spMkLst>
-            <pc:docMk/>
-            <pc:sldMk cId="3942909976" sldId="297"/>
-            <ac:spMk id="5" creationId="{A4E30DC2-C5FD-4274-A500-F38D8A669ED3}"/>
-          </ac:spMkLst>
-        </pc:spChg>
-        <pc:picChg chg="add mod">
-          <ac:chgData name="Marcia Moraes" userId="c9c67e8a-58e2-4733-9a1c-5d44fec4775b" providerId="ADAL" clId="{2AAF1A66-FB23-4D5D-9D0F-62B0FA45EB32}" dt="2022-09-18T23:14:27.173" v="233" actId="1076"/>
-          <ac:picMkLst>
-            <pc:docMk/>
-            <pc:sldMk cId="3942909976" sldId="297"/>
-            <ac:picMk id="3" creationId="{01A19CE1-24A4-41AC-8DF6-3E09D059BCB0}"/>
-          </ac:picMkLst>
-        </pc:picChg>
-      </pc:sldChg>
-      <pc:sldChg chg="addSp delSp modSp add modAnim">
-        <pc:chgData name="Marcia Moraes" userId="c9c67e8a-58e2-4733-9a1c-5d44fec4775b" providerId="ADAL" clId="{2AAF1A66-FB23-4D5D-9D0F-62B0FA45EB32}" dt="2022-09-18T23:19:26.670" v="266"/>
-        <pc:sldMkLst>
-          <pc:docMk/>
-          <pc:sldMk cId="651987978" sldId="298"/>
-        </pc:sldMkLst>
-        <pc:spChg chg="mod">
-          <ac:chgData name="Marcia Moraes" userId="c9c67e8a-58e2-4733-9a1c-5d44fec4775b" providerId="ADAL" clId="{2AAF1A66-FB23-4D5D-9D0F-62B0FA45EB32}" dt="2022-09-18T23:18:20.353" v="255" actId="20577"/>
-          <ac:spMkLst>
-            <pc:docMk/>
-            <pc:sldMk cId="651987978" sldId="298"/>
-            <ac:spMk id="2" creationId="{6302E6FC-80C8-2F4C-A9F0-9B205434775A}"/>
-          </ac:spMkLst>
-        </pc:spChg>
-        <pc:spChg chg="mod">
-          <ac:chgData name="Marcia Moraes" userId="c9c67e8a-58e2-4733-9a1c-5d44fec4775b" providerId="ADAL" clId="{2AAF1A66-FB23-4D5D-9D0F-62B0FA45EB32}" dt="2022-09-18T23:18:45.174" v="261"/>
-          <ac:spMkLst>
-            <pc:docMk/>
-            <pc:sldMk cId="651987978" sldId="298"/>
-            <ac:spMk id="5" creationId="{A4E30DC2-C5FD-4274-A500-F38D8A669ED3}"/>
-          </ac:spMkLst>
-        </pc:spChg>
-        <pc:picChg chg="del">
-          <ac:chgData name="Marcia Moraes" userId="c9c67e8a-58e2-4733-9a1c-5d44fec4775b" providerId="ADAL" clId="{2AAF1A66-FB23-4D5D-9D0F-62B0FA45EB32}" dt="2022-09-18T23:18:49.063" v="262" actId="478"/>
-          <ac:picMkLst>
-            <pc:docMk/>
-            <pc:sldMk cId="651987978" sldId="298"/>
-            <ac:picMk id="3" creationId="{01A19CE1-24A4-41AC-8DF6-3E09D059BCB0}"/>
-          </ac:picMkLst>
-        </pc:picChg>
-        <pc:picChg chg="add mod">
-          <ac:chgData name="Marcia Moraes" userId="c9c67e8a-58e2-4733-9a1c-5d44fec4775b" providerId="ADAL" clId="{2AAF1A66-FB23-4D5D-9D0F-62B0FA45EB32}" dt="2022-09-18T23:19:24.388" v="265" actId="1076"/>
-          <ac:picMkLst>
-            <pc:docMk/>
-            <pc:sldMk cId="651987978" sldId="298"/>
-            <ac:picMk id="4" creationId="{B8F6B792-0973-46FC-9761-C5B857B97623}"/>
-          </ac:picMkLst>
-        </pc:picChg>
-      </pc:sldChg>
-      <pc:sldChg chg="addSp modSp add">
-        <pc:chgData name="Marcia Moraes" userId="c9c67e8a-58e2-4733-9a1c-5d44fec4775b" providerId="ADAL" clId="{2AAF1A66-FB23-4D5D-9D0F-62B0FA45EB32}" dt="2022-09-18T23:44:06.407" v="1102" actId="1076"/>
-        <pc:sldMkLst>
-          <pc:docMk/>
-          <pc:sldMk cId="3133861811" sldId="299"/>
-        </pc:sldMkLst>
-        <pc:spChg chg="mod">
-          <ac:chgData name="Marcia Moraes" userId="c9c67e8a-58e2-4733-9a1c-5d44fec4775b" providerId="ADAL" clId="{2AAF1A66-FB23-4D5D-9D0F-62B0FA45EB32}" dt="2022-09-18T23:32:27.294" v="889" actId="20577"/>
-          <ac:spMkLst>
-            <pc:docMk/>
-            <pc:sldMk cId="3133861811" sldId="299"/>
-            <ac:spMk id="2" creationId="{6302E6FC-80C8-2F4C-A9F0-9B205434775A}"/>
-          </ac:spMkLst>
-        </pc:spChg>
-        <pc:spChg chg="mod">
-          <ac:chgData name="Marcia Moraes" userId="c9c67e8a-58e2-4733-9a1c-5d44fec4775b" providerId="ADAL" clId="{2AAF1A66-FB23-4D5D-9D0F-62B0FA45EB32}" dt="2022-09-18T23:44:06.407" v="1102" actId="1076"/>
-          <ac:spMkLst>
-            <pc:docMk/>
-            <pc:sldMk cId="3133861811" sldId="299"/>
-            <ac:spMk id="3" creationId="{93E01694-2C32-BA4D-B6F8-4BE99716E841}"/>
-          </ac:spMkLst>
-        </pc:spChg>
-        <pc:picChg chg="add mod">
-          <ac:chgData name="Marcia Moraes" userId="c9c67e8a-58e2-4733-9a1c-5d44fec4775b" providerId="ADAL" clId="{2AAF1A66-FB23-4D5D-9D0F-62B0FA45EB32}" dt="2022-09-18T23:44:02.876" v="1101" actId="1076"/>
-          <ac:picMkLst>
-            <pc:docMk/>
-            <pc:sldMk cId="3133861811" sldId="299"/>
-            <ac:picMk id="4" creationId="{0995415F-04E1-42DB-BC90-52E8598A4811}"/>
-          </ac:picMkLst>
-        </pc:picChg>
-      </pc:sldChg>
     </pc:docChg>
+  </pc:docChgLst>
+  <pc:docChgLst>
+    <pc:chgData name="Marcia Moraes" userId="c9c67e8a-58e2-4733-9a1c-5d44fec4775b" providerId="ADAL" clId="{2AAF1A66-FB23-4D5D-9D0F-62B0FA45EB32}"/>
   </pc:docChgLst>
 </pc:chgInfo>
 </file>
@@ -20328,6 +19999,136 @@
           <a:p>
             <a:r>
               <a:rPr lang="en-US" dirty="0"/>
+              <a:t>Coding Along</a:t>
+            </a:r>
+            <a:endParaRPr lang="en-US" sz="2800" dirty="0"/>
+          </a:p>
+        </p:txBody>
+      </p:sp>
+      <p:sp>
+        <p:nvSpPr>
+          <p:cNvPr id="3" name="Text Placeholder 2">
+            <a:extLst>
+              <a:ext uri="{FF2B5EF4-FFF2-40B4-BE49-F238E27FC236}">
+                <a16:creationId xmlns:a16="http://schemas.microsoft.com/office/drawing/2014/main" id="{93E01694-2C32-BA4D-B6F8-4BE99716E841}"/>
+              </a:ext>
+            </a:extLst>
+          </p:cNvPr>
+          <p:cNvSpPr>
+            <a:spLocks noGrp="1"/>
+          </p:cNvSpPr>
+          <p:nvPr>
+            <p:ph type="body" sz="quarter" idx="10"/>
+          </p:nvPr>
+        </p:nvSpPr>
+        <p:spPr>
+          <a:xfrm>
+            <a:off x="415637" y="1157310"/>
+            <a:ext cx="8312726" cy="2251129"/>
+          </a:xfrm>
+        </p:spPr>
+        <p:txBody>
+          <a:bodyPr/>
+          <a:lstStyle/>
+          <a:p>
+            <a:pPr>
+              <a:buClrTx/>
+            </a:pPr>
+            <a:r>
+              <a:rPr lang="en-US" sz="1800" b="0" i="0" dirty="0">
+                <a:effectLst/>
+                <a:latin typeface="Helvetica" panose="020B0604020202020204" pitchFamily="34" charset="0"/>
+              </a:rPr>
+              <a:t>Write a Python function that receives a list and a value as a parameter and returns the number of times that the value is in the list.</a:t>
+            </a:r>
+          </a:p>
+          <a:p>
+            <a:pPr>
+              <a:buClrTx/>
+            </a:pPr>
+            <a:r>
+              <a:rPr lang="en-US" sz="1800" dirty="0">
+                <a:latin typeface="Helvetica" panose="020B0604020202020204" pitchFamily="34" charset="0"/>
+              </a:rPr>
+              <a:t>Write a Python function that receives a list as a parameter and returns a new list containing only the elements that are not repeated in the parameter. For example, if list is [1, 2, 1, 10, 3, 4, 3] the function will return the following list [2, 10, 4].</a:t>
+            </a:r>
+            <a:endParaRPr lang="en-US" sz="1800" b="0" i="0" dirty="0">
+              <a:effectLst/>
+              <a:latin typeface="Helvetica" panose="020B0604020202020204" pitchFamily="34" charset="0"/>
+            </a:endParaRPr>
+          </a:p>
+        </p:txBody>
+      </p:sp>
+    </p:spTree>
+    <p:extLst>
+      <p:ext uri="{BB962C8B-B14F-4D97-AF65-F5344CB8AC3E}">
+        <p14:creationId xmlns:p14="http://schemas.microsoft.com/office/powerpoint/2010/main" val="1028946880"/>
+      </p:ext>
+    </p:extLst>
+  </p:cSld>
+  <p:clrMapOvr>
+    <a:masterClrMapping/>
+  </p:clrMapOvr>
+  <mc:AlternateContent xmlns:mc="http://schemas.openxmlformats.org/markup-compatibility/2006" xmlns:p14="http://schemas.microsoft.com/office/powerpoint/2010/main">
+    <mc:Choice Requires="p14">
+      <p:transition p14:dur="300">
+        <p:fade/>
+      </p:transition>
+    </mc:Choice>
+    <mc:Fallback xmlns="">
+      <p:transition>
+        <p:fade/>
+      </p:transition>
+    </mc:Fallback>
+  </mc:AlternateContent>
+</p:sld>
+</file>
+
+<file path=ppt/slides/slide11.xml><?xml version="1.0" encoding="utf-8"?>
+<p:sld xmlns:a="http://schemas.openxmlformats.org/drawingml/2006/main" xmlns:r="http://schemas.openxmlformats.org/officeDocument/2006/relationships" xmlns:p="http://schemas.openxmlformats.org/presentationml/2006/main">
+  <p:cSld>
+    <p:spTree>
+      <p:nvGrpSpPr>
+        <p:cNvPr id="1" name=""/>
+        <p:cNvGrpSpPr/>
+        <p:nvPr/>
+      </p:nvGrpSpPr>
+      <p:grpSpPr>
+        <a:xfrm>
+          <a:off x="0" y="0"/>
+          <a:ext cx="0" cy="0"/>
+          <a:chOff x="0" y="0"/>
+          <a:chExt cx="0" cy="0"/>
+        </a:xfrm>
+      </p:grpSpPr>
+      <p:sp>
+        <p:nvSpPr>
+          <p:cNvPr id="2" name="Title 1">
+            <a:extLst>
+              <a:ext uri="{FF2B5EF4-FFF2-40B4-BE49-F238E27FC236}">
+                <a16:creationId xmlns:a16="http://schemas.microsoft.com/office/drawing/2014/main" id="{6302E6FC-80C8-2F4C-A9F0-9B205434775A}"/>
+              </a:ext>
+            </a:extLst>
+          </p:cNvPr>
+          <p:cNvSpPr>
+            <a:spLocks noGrp="1"/>
+          </p:cNvSpPr>
+          <p:nvPr>
+            <p:ph type="title"/>
+          </p:nvPr>
+        </p:nvSpPr>
+        <p:spPr>
+          <a:xfrm>
+            <a:off x="415637" y="222837"/>
+            <a:ext cx="8312726" cy="734688"/>
+          </a:xfrm>
+        </p:spPr>
+        <p:txBody>
+          <a:bodyPr/>
+          <a:lstStyle/>
+          <a:p>
+            <a:r>
+              <a:rPr lang="en-US" dirty="0"/>
               <a:t>Coding Activity</a:t>
             </a:r>
             <a:endParaRPr lang="en-US" sz="2800" dirty="0"/>
@@ -20597,8 +20398,12 @@
               <a:buChar char="•"/>
             </a:pPr>
             <a:r>
+              <a:rPr lang="en-US"/>
+              <a:t>Reading 11 </a:t>
+            </a:r>
+            <a:r>
               <a:rPr lang="en-US" dirty="0"/>
-              <a:t>Reading 8 (</a:t>
+              <a:t>(</a:t>
             </a:r>
             <a:r>
               <a:rPr lang="en-US" dirty="0" err="1"/>
@@ -20675,6 +20480,134 @@
 </file>
 
 <file path=ppt/slides/slide3.xml><?xml version="1.0" encoding="utf-8"?>
+<p:sld xmlns:a="http://schemas.openxmlformats.org/drawingml/2006/main" xmlns:r="http://schemas.openxmlformats.org/officeDocument/2006/relationships" xmlns:p="http://schemas.openxmlformats.org/presentationml/2006/main">
+  <p:cSld>
+    <p:spTree>
+      <p:nvGrpSpPr>
+        <p:cNvPr id="1" name=""/>
+        <p:cNvGrpSpPr/>
+        <p:nvPr/>
+      </p:nvGrpSpPr>
+      <p:grpSpPr>
+        <a:xfrm>
+          <a:off x="0" y="0"/>
+          <a:ext cx="0" cy="0"/>
+          <a:chOff x="0" y="0"/>
+          <a:chExt cx="0" cy="0"/>
+        </a:xfrm>
+      </p:grpSpPr>
+      <p:sp>
+        <p:nvSpPr>
+          <p:cNvPr id="2" name="Title 1">
+            <a:extLst>
+              <a:ext uri="{FF2B5EF4-FFF2-40B4-BE49-F238E27FC236}">
+                <a16:creationId xmlns:a16="http://schemas.microsoft.com/office/drawing/2014/main" id="{6302E6FC-80C8-2F4C-A9F0-9B205434775A}"/>
+              </a:ext>
+            </a:extLst>
+          </p:cNvPr>
+          <p:cNvSpPr>
+            <a:spLocks noGrp="1"/>
+          </p:cNvSpPr>
+          <p:nvPr>
+            <p:ph type="title"/>
+          </p:nvPr>
+        </p:nvSpPr>
+        <p:spPr>
+          <a:xfrm>
+            <a:off x="415637" y="228600"/>
+            <a:ext cx="8312726" cy="734688"/>
+          </a:xfrm>
+        </p:spPr>
+        <p:txBody>
+          <a:bodyPr/>
+          <a:lstStyle/>
+          <a:p>
+            <a:r>
+              <a:rPr lang="en-US" dirty="0"/>
+              <a:t>Recall Activity - Attendance</a:t>
+            </a:r>
+            <a:endParaRPr lang="en-US" sz="2800" dirty="0"/>
+          </a:p>
+        </p:txBody>
+      </p:sp>
+      <p:sp>
+        <p:nvSpPr>
+          <p:cNvPr id="3" name="Text Placeholder 2">
+            <a:extLst>
+              <a:ext uri="{FF2B5EF4-FFF2-40B4-BE49-F238E27FC236}">
+                <a16:creationId xmlns:a16="http://schemas.microsoft.com/office/drawing/2014/main" id="{93E01694-2C32-BA4D-B6F8-4BE99716E841}"/>
+              </a:ext>
+            </a:extLst>
+          </p:cNvPr>
+          <p:cNvSpPr>
+            <a:spLocks noGrp="1"/>
+          </p:cNvSpPr>
+          <p:nvPr>
+            <p:ph type="body" sz="quarter" idx="10"/>
+          </p:nvPr>
+        </p:nvSpPr>
+        <p:spPr>
+          <a:xfrm>
+            <a:off x="415637" y="1322947"/>
+            <a:ext cx="8312726" cy="1683794"/>
+          </a:xfrm>
+        </p:spPr>
+        <p:txBody>
+          <a:bodyPr/>
+          <a:lstStyle/>
+          <a:p>
+            <a:pPr>
+              <a:buClrTx/>
+            </a:pPr>
+            <a:r>
+              <a:rPr lang="en-US" sz="1800" dirty="0"/>
+              <a:t>What is the difference between a for loop and a while loop? Explain using your own words.</a:t>
+            </a:r>
+          </a:p>
+          <a:p>
+            <a:pPr>
+              <a:buClrTx/>
+            </a:pPr>
+            <a:endParaRPr lang="en-US" sz="1800" dirty="0"/>
+          </a:p>
+          <a:p>
+            <a:pPr marL="285750" indent="-285750">
+              <a:buFont typeface="Arial" panose="020B0604020202020204" pitchFamily="34" charset="0"/>
+              <a:buChar char="•"/>
+            </a:pPr>
+            <a:r>
+              <a:rPr lang="en-US" sz="1800" dirty="0"/>
+              <a:t>Turn you paper to the TAs or myself at the end of the class</a:t>
+            </a:r>
+          </a:p>
+        </p:txBody>
+      </p:sp>
+    </p:spTree>
+    <p:extLst>
+      <p:ext uri="{BB962C8B-B14F-4D97-AF65-F5344CB8AC3E}">
+        <p14:creationId xmlns:p14="http://schemas.microsoft.com/office/powerpoint/2010/main" val="1172125351"/>
+      </p:ext>
+    </p:extLst>
+  </p:cSld>
+  <p:clrMapOvr>
+    <a:masterClrMapping/>
+  </p:clrMapOvr>
+  <mc:AlternateContent xmlns:mc="http://schemas.openxmlformats.org/markup-compatibility/2006" xmlns:p14="http://schemas.microsoft.com/office/powerpoint/2010/main">
+    <mc:Choice Requires="p14">
+      <p:transition p14:dur="300">
+        <p:fade/>
+      </p:transition>
+    </mc:Choice>
+    <mc:Fallback xmlns="">
+      <p:transition>
+        <p:fade/>
+      </p:transition>
+    </mc:Fallback>
+  </mc:AlternateContent>
+</p:sld>
+</file>
+
+<file path=ppt/slides/slide4.xml><?xml version="1.0" encoding="utf-8"?>
 <p:sld xmlns:a="http://schemas.openxmlformats.org/drawingml/2006/main" xmlns:r="http://schemas.openxmlformats.org/officeDocument/2006/relationships" xmlns:p="http://schemas.openxmlformats.org/presentationml/2006/main">
   <p:cSld>
     <p:spTree>
@@ -20868,7 +20801,7 @@
     </p:spTree>
     <p:extLst>
       <p:ext uri="{BB962C8B-B14F-4D97-AF65-F5344CB8AC3E}">
-        <p14:creationId xmlns:p14="http://schemas.microsoft.com/office/powerpoint/2010/main" val="1172125351"/>
+        <p14:creationId xmlns:p14="http://schemas.microsoft.com/office/powerpoint/2010/main" val="1981889249"/>
       </p:ext>
     </p:extLst>
   </p:cSld>
@@ -20890,7 +20823,7 @@
 </p:sld>
 </file>
 
-<file path=ppt/slides/slide4.xml><?xml version="1.0" encoding="utf-8"?>
+<file path=ppt/slides/slide5.xml><?xml version="1.0" encoding="utf-8"?>
 <p:sld xmlns:a="http://schemas.openxmlformats.org/drawingml/2006/main" xmlns:r="http://schemas.openxmlformats.org/officeDocument/2006/relationships" xmlns:p="http://schemas.openxmlformats.org/presentationml/2006/main">
   <p:cSld>
     <p:spTree>
@@ -20996,7 +20929,7 @@
 </p:sld>
 </file>
 
-<file path=ppt/slides/slide5.xml><?xml version="1.0" encoding="utf-8"?>
+<file path=ppt/slides/slide6.xml><?xml version="1.0" encoding="utf-8"?>
 <p:sld xmlns:a="http://schemas.openxmlformats.org/drawingml/2006/main" xmlns:r="http://schemas.openxmlformats.org/officeDocument/2006/relationships" xmlns:p="http://schemas.openxmlformats.org/presentationml/2006/main">
   <p:cSld>
     <p:spTree>
@@ -21366,7 +21299,7 @@
 </p:sld>
 </file>
 
-<file path=ppt/slides/slide6.xml><?xml version="1.0" encoding="utf-8"?>
+<file path=ppt/slides/slide7.xml><?xml version="1.0" encoding="utf-8"?>
 <p:sld xmlns:a="http://schemas.openxmlformats.org/drawingml/2006/main" xmlns:r="http://schemas.openxmlformats.org/officeDocument/2006/relationships" xmlns:p="http://schemas.openxmlformats.org/presentationml/2006/main">
   <p:cSld>
     <p:spTree>
@@ -21472,7 +21405,7 @@
 </p:sld>
 </file>
 
-<file path=ppt/slides/slide7.xml><?xml version="1.0" encoding="utf-8"?>
+<file path=ppt/slides/slide8.xml><?xml version="1.0" encoding="utf-8"?>
 <p:sld xmlns:a="http://schemas.openxmlformats.org/drawingml/2006/main" xmlns:r="http://schemas.openxmlformats.org/officeDocument/2006/relationships" xmlns:p="http://schemas.openxmlformats.org/presentationml/2006/main">
   <p:cSld>
     <p:spTree>
@@ -21763,7 +21696,7 @@
 </p:sld>
 </file>
 
-<file path=ppt/slides/slide8.xml><?xml version="1.0" encoding="utf-8"?>
+<file path=ppt/slides/slide9.xml><?xml version="1.0" encoding="utf-8"?>
 <p:sld xmlns:a="http://schemas.openxmlformats.org/drawingml/2006/main" xmlns:r="http://schemas.openxmlformats.org/officeDocument/2006/relationships" xmlns:p="http://schemas.openxmlformats.org/presentationml/2006/main">
   <p:cSld>
     <p:spTree>
@@ -22103,136 +22036,6 @@
       </p:par>
     </p:tnLst>
   </p:timing>
-</p:sld>
-</file>
-
-<file path=ppt/slides/slide9.xml><?xml version="1.0" encoding="utf-8"?>
-<p:sld xmlns:a="http://schemas.openxmlformats.org/drawingml/2006/main" xmlns:r="http://schemas.openxmlformats.org/officeDocument/2006/relationships" xmlns:p="http://schemas.openxmlformats.org/presentationml/2006/main">
-  <p:cSld>
-    <p:spTree>
-      <p:nvGrpSpPr>
-        <p:cNvPr id="1" name=""/>
-        <p:cNvGrpSpPr/>
-        <p:nvPr/>
-      </p:nvGrpSpPr>
-      <p:grpSpPr>
-        <a:xfrm>
-          <a:off x="0" y="0"/>
-          <a:ext cx="0" cy="0"/>
-          <a:chOff x="0" y="0"/>
-          <a:chExt cx="0" cy="0"/>
-        </a:xfrm>
-      </p:grpSpPr>
-      <p:sp>
-        <p:nvSpPr>
-          <p:cNvPr id="2" name="Title 1">
-            <a:extLst>
-              <a:ext uri="{FF2B5EF4-FFF2-40B4-BE49-F238E27FC236}">
-                <a16:creationId xmlns:a16="http://schemas.microsoft.com/office/drawing/2014/main" id="{6302E6FC-80C8-2F4C-A9F0-9B205434775A}"/>
-              </a:ext>
-            </a:extLst>
-          </p:cNvPr>
-          <p:cNvSpPr>
-            <a:spLocks noGrp="1"/>
-          </p:cNvSpPr>
-          <p:nvPr>
-            <p:ph type="title"/>
-          </p:nvPr>
-        </p:nvSpPr>
-        <p:spPr>
-          <a:xfrm>
-            <a:off x="415637" y="222837"/>
-            <a:ext cx="8312726" cy="734688"/>
-          </a:xfrm>
-        </p:spPr>
-        <p:txBody>
-          <a:bodyPr/>
-          <a:lstStyle/>
-          <a:p>
-            <a:r>
-              <a:rPr lang="en-US" dirty="0"/>
-              <a:t>Coding Along</a:t>
-            </a:r>
-            <a:endParaRPr lang="en-US" sz="2800" dirty="0"/>
-          </a:p>
-        </p:txBody>
-      </p:sp>
-      <p:sp>
-        <p:nvSpPr>
-          <p:cNvPr id="3" name="Text Placeholder 2">
-            <a:extLst>
-              <a:ext uri="{FF2B5EF4-FFF2-40B4-BE49-F238E27FC236}">
-                <a16:creationId xmlns:a16="http://schemas.microsoft.com/office/drawing/2014/main" id="{93E01694-2C32-BA4D-B6F8-4BE99716E841}"/>
-              </a:ext>
-            </a:extLst>
-          </p:cNvPr>
-          <p:cNvSpPr>
-            <a:spLocks noGrp="1"/>
-          </p:cNvSpPr>
-          <p:nvPr>
-            <p:ph type="body" sz="quarter" idx="10"/>
-          </p:nvPr>
-        </p:nvSpPr>
-        <p:spPr>
-          <a:xfrm>
-            <a:off x="415637" y="1157310"/>
-            <a:ext cx="8312726" cy="2251129"/>
-          </a:xfrm>
-        </p:spPr>
-        <p:txBody>
-          <a:bodyPr/>
-          <a:lstStyle/>
-          <a:p>
-            <a:pPr>
-              <a:buClrTx/>
-            </a:pPr>
-            <a:r>
-              <a:rPr lang="en-US" sz="1800" b="0" i="0" dirty="0">
-                <a:effectLst/>
-                <a:latin typeface="Helvetica" panose="020B0604020202020204" pitchFamily="34" charset="0"/>
-              </a:rPr>
-              <a:t>Write a Python function that receives a list and a value as a parameter and returns the number of times that the value is in the list.</a:t>
-            </a:r>
-          </a:p>
-          <a:p>
-            <a:pPr>
-              <a:buClrTx/>
-            </a:pPr>
-            <a:r>
-              <a:rPr lang="en-US" sz="1800" dirty="0">
-                <a:latin typeface="Helvetica" panose="020B0604020202020204" pitchFamily="34" charset="0"/>
-              </a:rPr>
-              <a:t>Write a Python function that receives a list as a parameter and returns a new list containing only the elements that are not repeated in the parameter. For example, if list is [1, 2, 1, 10, 3, 4, 3] the function will return the following list [2, 10, 4].</a:t>
-            </a:r>
-            <a:endParaRPr lang="en-US" sz="1800" b="0" i="0" dirty="0">
-              <a:effectLst/>
-              <a:latin typeface="Helvetica" panose="020B0604020202020204" pitchFamily="34" charset="0"/>
-            </a:endParaRPr>
-          </a:p>
-        </p:txBody>
-      </p:sp>
-    </p:spTree>
-    <p:extLst>
-      <p:ext uri="{BB962C8B-B14F-4D97-AF65-F5344CB8AC3E}">
-        <p14:creationId xmlns:p14="http://schemas.microsoft.com/office/powerpoint/2010/main" val="1028946880"/>
-      </p:ext>
-    </p:extLst>
-  </p:cSld>
-  <p:clrMapOvr>
-    <a:masterClrMapping/>
-  </p:clrMapOvr>
-  <mc:AlternateContent xmlns:mc="http://schemas.openxmlformats.org/markup-compatibility/2006" xmlns:p14="http://schemas.microsoft.com/office/powerpoint/2010/main">
-    <mc:Choice Requires="p14">
-      <p:transition p14:dur="300">
-        <p:fade/>
-      </p:transition>
-    </mc:Choice>
-    <mc:Fallback xmlns="">
-      <p:transition>
-        <p:fade/>
-      </p:transition>
-    </mc:Fallback>
-  </mc:AlternateContent>
 </p:sld>
 </file>
 
@@ -23140,6 +22943,21 @@
 </file>
 
 <file path=customXml/item1.xml><?xml version="1.0" encoding="utf-8"?>
+<p:properties xmlns:p="http://schemas.microsoft.com/office/2006/metadata/properties" xmlns:xsi="http://www.w3.org/2001/XMLSchema-instance" xmlns:pc="http://schemas.microsoft.com/office/infopath/2007/PartnerControls">
+  <documentManagement/>
+</p:properties>
+</file>
+
+<file path=customXml/item2.xml><?xml version="1.0" encoding="utf-8"?>
+<?mso-contentType ?>
+<FormTemplates xmlns="http://schemas.microsoft.com/sharepoint/v3/contenttype/forms">
+  <Display>DocumentLibraryForm</Display>
+  <Edit>DocumentLibraryForm</Edit>
+  <New>DocumentLibraryForm</New>
+</FormTemplates>
+</file>
+
+<file path=customXml/item3.xml><?xml version="1.0" encoding="utf-8"?>
 <ct:contentTypeSchema xmlns:ct="http://schemas.microsoft.com/office/2006/metadata/contentType" xmlns:ma="http://schemas.microsoft.com/office/2006/metadata/properties/metaAttributes" ct:_="" ma:_="" ma:contentTypeName="Document" ma:contentTypeID="0x010100074387D78AC76C4289401EF66FB51FCC" ma:contentTypeVersion="14" ma:contentTypeDescription="Create a new document." ma:contentTypeScope="" ma:versionID="16aa88660fc2fdca5573e381835fe0c9">
   <xsd:schema xmlns:xsd="http://www.w3.org/2001/XMLSchema" xmlns:xs="http://www.w3.org/2001/XMLSchema" xmlns:p="http://schemas.microsoft.com/office/2006/metadata/properties" xmlns:ns3="92c41bee-f0ee-4aa6-9399-a35fbb883510" xmlns:ns4="e06ed288-fd75-4b50-bbed-f5a5df88c31c" targetNamespace="http://schemas.microsoft.com/office/2006/metadata/properties" ma:root="true" ma:fieldsID="d08ce21c39dd96af8dcee1a6fd74aaf6" ns3:_="" ns4:_="">
     <xsd:import namespace="92c41bee-f0ee-4aa6-9399-a35fbb883510"/>
@@ -23368,22 +23186,32 @@
 </ct:contentTypeSchema>
 </file>
 
-<file path=customXml/item2.xml><?xml version="1.0" encoding="utf-8"?>
-<p:properties xmlns:p="http://schemas.microsoft.com/office/2006/metadata/properties" xmlns:xsi="http://www.w3.org/2001/XMLSchema-instance" xmlns:pc="http://schemas.microsoft.com/office/infopath/2007/PartnerControls">
-  <documentManagement/>
-</p:properties>
+<file path=customXml/itemProps1.xml><?xml version="1.0" encoding="utf-8"?>
+<ds:datastoreItem xmlns:ds="http://schemas.openxmlformats.org/officeDocument/2006/customXml" ds:itemID="{05D3EE4C-68D3-4BA3-94E6-383E2DFDD168}">
+  <ds:schemaRefs>
+    <ds:schemaRef ds:uri="http://purl.org/dc/elements/1.1/"/>
+    <ds:schemaRef ds:uri="http://schemas.microsoft.com/office/2006/documentManagement/types"/>
+    <ds:schemaRef ds:uri="http://schemas.microsoft.com/office/2006/metadata/properties"/>
+    <ds:schemaRef ds:uri="http://schemas.openxmlformats.org/package/2006/metadata/core-properties"/>
+    <ds:schemaRef ds:uri="92c41bee-f0ee-4aa6-9399-a35fbb883510"/>
+    <ds:schemaRef ds:uri="e06ed288-fd75-4b50-bbed-f5a5df88c31c"/>
+    <ds:schemaRef ds:uri="http://purl.org/dc/dcmitype/"/>
+    <ds:schemaRef ds:uri="http://schemas.microsoft.com/office/infopath/2007/PartnerControls"/>
+    <ds:schemaRef ds:uri="http://www.w3.org/XML/1998/namespace"/>
+    <ds:schemaRef ds:uri="http://purl.org/dc/terms/"/>
+  </ds:schemaRefs>
+</ds:datastoreItem>
 </file>
 
-<file path=customXml/item3.xml><?xml version="1.0" encoding="utf-8"?>
-<?mso-contentType ?>
-<FormTemplates xmlns="http://schemas.microsoft.com/sharepoint/v3/contenttype/forms">
-  <Display>DocumentLibraryForm</Display>
-  <Edit>DocumentLibraryForm</Edit>
-  <New>DocumentLibraryForm</New>
-</FormTemplates>
+<file path=customXml/itemProps2.xml><?xml version="1.0" encoding="utf-8"?>
+<ds:datastoreItem xmlns:ds="http://schemas.openxmlformats.org/officeDocument/2006/customXml" ds:itemID="{ECBA097B-6123-4B8A-8BF9-8745C25437D5}">
+  <ds:schemaRefs>
+    <ds:schemaRef ds:uri="http://schemas.microsoft.com/sharepoint/v3/contenttype/forms"/>
+  </ds:schemaRefs>
+</ds:datastoreItem>
 </file>
 
-<file path=customXml/itemProps1.xml><?xml version="1.0" encoding="utf-8"?>
+<file path=customXml/itemProps3.xml><?xml version="1.0" encoding="utf-8"?>
 <ds:datastoreItem xmlns:ds="http://schemas.openxmlformats.org/officeDocument/2006/customXml" ds:itemID="{ECE8EA35-9C42-4825-ABC6-2C345E857976}">
   <ds:schemaRefs>
     <ds:schemaRef ds:uri="http://schemas.microsoft.com/office/2006/metadata/contentType"/>
@@ -23400,29 +23228,4 @@
     <ds:schemaRef ds:uri="http://schemas.microsoft.com/internal/obd"/>
   </ds:schemaRefs>
 </ds:datastoreItem>
-</file>
-
-<file path=customXml/itemProps2.xml><?xml version="1.0" encoding="utf-8"?>
-<ds:datastoreItem xmlns:ds="http://schemas.openxmlformats.org/officeDocument/2006/customXml" ds:itemID="{05D3EE4C-68D3-4BA3-94E6-383E2DFDD168}">
-  <ds:schemaRefs>
-    <ds:schemaRef ds:uri="http://schemas.microsoft.com/office/2006/documentManagement/types"/>
-    <ds:schemaRef ds:uri="http://schemas.microsoft.com/office/infopath/2007/PartnerControls"/>
-    <ds:schemaRef ds:uri="http://purl.org/dc/dcmitype/"/>
-    <ds:schemaRef ds:uri="http://purl.org/dc/elements/1.1/"/>
-    <ds:schemaRef ds:uri="e06ed288-fd75-4b50-bbed-f5a5df88c31c"/>
-    <ds:schemaRef ds:uri="http://schemas.microsoft.com/office/2006/metadata/properties"/>
-    <ds:schemaRef ds:uri="http://purl.org/dc/terms/"/>
-    <ds:schemaRef ds:uri="http://schemas.openxmlformats.org/package/2006/metadata/core-properties"/>
-    <ds:schemaRef ds:uri="92c41bee-f0ee-4aa6-9399-a35fbb883510"/>
-    <ds:schemaRef ds:uri="http://www.w3.org/XML/1998/namespace"/>
-  </ds:schemaRefs>
-</ds:datastoreItem>
-</file>
-
-<file path=customXml/itemProps3.xml><?xml version="1.0" encoding="utf-8"?>
-<ds:datastoreItem xmlns:ds="http://schemas.openxmlformats.org/officeDocument/2006/customXml" ds:itemID="{ECBA097B-6123-4B8A-8BF9-8745C25437D5}">
-  <ds:schemaRefs>
-    <ds:schemaRef ds:uri="http://schemas.microsoft.com/sharepoint/v3/contenttype/forms"/>
-  </ds:schemaRefs>
-</ds:datastoreItem>
 </file>
--- a/05_01ForLoopCS152.pptx
+++ b/05_01ForLoopCS152.pptx
@@ -275,23 +275,26 @@
 <pc:chgInfo xmlns:a="http://schemas.openxmlformats.org/drawingml/2006/main" xmlns:r="http://schemas.openxmlformats.org/officeDocument/2006/relationships" xmlns:ac="http://schemas.microsoft.com/office/drawing/2013/main/command" xmlns:pc="http://schemas.microsoft.com/office/powerpoint/2013/main/command">
   <pc:docChgLst>
     <pc:chgData name="Marcia Moraes" userId="c9c67e8a-58e2-4733-9a1c-5d44fec4775b" providerId="ADAL" clId="{22C4023B-2D35-419E-8353-751459B56DFF}"/>
-    <pc:docChg chg="modSld">
-      <pc:chgData name="Marcia Moraes" userId="c9c67e8a-58e2-4733-9a1c-5d44fec4775b" providerId="ADAL" clId="{22C4023B-2D35-419E-8353-751459B56DFF}" dt="2023-02-12T23:15:20.631" v="2" actId="20577"/>
+  </pc:docChgLst>
+  <pc:docChgLst>
+    <pc:chgData name="Marcia Moraes" userId="c9c67e8a-58e2-4733-9a1c-5d44fec4775b" providerId="ADAL" clId="{149442FE-C803-456A-A9B6-67FFA569096F}"/>
+    <pc:docChg chg="custSel modSld">
+      <pc:chgData name="Marcia Moraes" userId="c9c67e8a-58e2-4733-9a1c-5d44fec4775b" providerId="ADAL" clId="{149442FE-C803-456A-A9B6-67FFA569096F}" dt="2024-09-05T21:03:29.251" v="71" actId="20577"/>
       <pc:docMkLst>
         <pc:docMk/>
       </pc:docMkLst>
       <pc:sldChg chg="modSp">
-        <pc:chgData name="Marcia Moraes" userId="c9c67e8a-58e2-4733-9a1c-5d44fec4775b" providerId="ADAL" clId="{22C4023B-2D35-419E-8353-751459B56DFF}" dt="2023-02-12T23:15:20.631" v="2" actId="20577"/>
+        <pc:chgData name="Marcia Moraes" userId="c9c67e8a-58e2-4733-9a1c-5d44fec4775b" providerId="ADAL" clId="{149442FE-C803-456A-A9B6-67FFA569096F}" dt="2024-09-05T21:03:29.251" v="71" actId="20577"/>
         <pc:sldMkLst>
           <pc:docMk/>
-          <pc:sldMk cId="2954226462" sldId="268"/>
+          <pc:sldMk cId="1172125351" sldId="288"/>
         </pc:sldMkLst>
         <pc:spChg chg="mod">
-          <ac:chgData name="Marcia Moraes" userId="c9c67e8a-58e2-4733-9a1c-5d44fec4775b" providerId="ADAL" clId="{22C4023B-2D35-419E-8353-751459B56DFF}" dt="2023-02-12T23:15:20.631" v="2" actId="20577"/>
+          <ac:chgData name="Marcia Moraes" userId="c9c67e8a-58e2-4733-9a1c-5d44fec4775b" providerId="ADAL" clId="{149442FE-C803-456A-A9B6-67FFA569096F}" dt="2024-09-05T21:03:29.251" v="71" actId="20577"/>
           <ac:spMkLst>
             <pc:docMk/>
-            <pc:sldMk cId="2954226462" sldId="268"/>
-            <ac:spMk id="7" creationId="{F1F79DD2-1F3F-234C-A44A-3A87D436D29A}"/>
+            <pc:sldMk cId="1172125351" sldId="288"/>
+            <ac:spMk id="3" creationId="{93E01694-2C32-BA4D-B6F8-4BE99716E841}"/>
           </ac:spMkLst>
         </pc:spChg>
       </pc:sldChg>
@@ -299,49 +302,6 @@
   </pc:docChgLst>
   <pc:docChgLst>
     <pc:chgData name="Moraes,Marcia" userId="c9c67e8a-58e2-4733-9a1c-5d44fec4775b" providerId="ADAL" clId="{22C4023B-2D35-419E-8353-751459B56DFF}"/>
-    <pc:docChg chg="custSel addSld delSld modSld">
-      <pc:chgData name="Moraes,Marcia" userId="c9c67e8a-58e2-4733-9a1c-5d44fec4775b" providerId="ADAL" clId="{22C4023B-2D35-419E-8353-751459B56DFF}" dt="2023-02-12T23:21:40.983" v="250" actId="20577"/>
-      <pc:docMkLst>
-        <pc:docMk/>
-      </pc:docMkLst>
-      <pc:sldChg chg="modSp">
-        <pc:chgData name="Moraes,Marcia" userId="c9c67e8a-58e2-4733-9a1c-5d44fec4775b" providerId="ADAL" clId="{22C4023B-2D35-419E-8353-751459B56DFF}" dt="2023-02-12T23:21:40.983" v="250" actId="20577"/>
-        <pc:sldMkLst>
-          <pc:docMk/>
-          <pc:sldMk cId="1172125351" sldId="288"/>
-        </pc:sldMkLst>
-        <pc:spChg chg="mod">
-          <ac:chgData name="Moraes,Marcia" userId="c9c67e8a-58e2-4733-9a1c-5d44fec4775b" providerId="ADAL" clId="{22C4023B-2D35-419E-8353-751459B56DFF}" dt="2023-02-12T23:21:35.831" v="248" actId="20577"/>
-          <ac:spMkLst>
-            <pc:docMk/>
-            <pc:sldMk cId="1172125351" sldId="288"/>
-            <ac:spMk id="2" creationId="{6302E6FC-80C8-2F4C-A9F0-9B205434775A}"/>
-          </ac:spMkLst>
-        </pc:spChg>
-        <pc:spChg chg="mod">
-          <ac:chgData name="Moraes,Marcia" userId="c9c67e8a-58e2-4733-9a1c-5d44fec4775b" providerId="ADAL" clId="{22C4023B-2D35-419E-8353-751459B56DFF}" dt="2023-02-12T23:21:40.983" v="250" actId="20577"/>
-          <ac:spMkLst>
-            <pc:docMk/>
-            <pc:sldMk cId="1172125351" sldId="288"/>
-            <ac:spMk id="3" creationId="{93E01694-2C32-BA4D-B6F8-4BE99716E841}"/>
-          </ac:spMkLst>
-        </pc:spChg>
-      </pc:sldChg>
-      <pc:sldChg chg="add">
-        <pc:chgData name="Moraes,Marcia" userId="c9c67e8a-58e2-4733-9a1c-5d44fec4775b" providerId="ADAL" clId="{22C4023B-2D35-419E-8353-751459B56DFF}" dt="2023-02-12T23:20:02.428" v="2"/>
-        <pc:sldMkLst>
-          <pc:docMk/>
-          <pc:sldMk cId="1981889249" sldId="300"/>
-        </pc:sldMkLst>
-      </pc:sldChg>
-      <pc:sldChg chg="add del">
-        <pc:chgData name="Moraes,Marcia" userId="c9c67e8a-58e2-4733-9a1c-5d44fec4775b" providerId="ADAL" clId="{22C4023B-2D35-419E-8353-751459B56DFF}" dt="2023-02-12T23:19:59.776" v="1"/>
-        <pc:sldMkLst>
-          <pc:docMk/>
-          <pc:sldMk cId="3590947353" sldId="300"/>
-        </pc:sldMkLst>
-      </pc:sldChg>
-    </pc:docChg>
   </pc:docChgLst>
   <pc:docChgLst>
     <pc:chgData name="Marcia Moraes" userId="c9c67e8a-58e2-4733-9a1c-5d44fec4775b" providerId="ADAL" clId="{2AAF1A66-FB23-4D5D-9D0F-62B0FA45EB32}"/>
@@ -20577,7 +20537,7 @@
             </a:pPr>
             <a:r>
               <a:rPr lang="en-US" sz="1800" dirty="0"/>
-              <a:t>Turn you paper to the TAs or myself at the end of the class</a:t>
+              <a:t>Write your answer in our today’s attendance assignment.</a:t>
             </a:r>
           </a:p>
         </p:txBody>
@@ -22949,15 +22909,6 @@
 </file>
 
 <file path=customXml/item2.xml><?xml version="1.0" encoding="utf-8"?>
-<?mso-contentType ?>
-<FormTemplates xmlns="http://schemas.microsoft.com/sharepoint/v3/contenttype/forms">
-  <Display>DocumentLibraryForm</Display>
-  <Edit>DocumentLibraryForm</Edit>
-  <New>DocumentLibraryForm</New>
-</FormTemplates>
-</file>
-
-<file path=customXml/item3.xml><?xml version="1.0" encoding="utf-8"?>
 <ct:contentTypeSchema xmlns:ct="http://schemas.microsoft.com/office/2006/metadata/contentType" xmlns:ma="http://schemas.microsoft.com/office/2006/metadata/properties/metaAttributes" ct:_="" ma:_="" ma:contentTypeName="Document" ma:contentTypeID="0x010100074387D78AC76C4289401EF66FB51FCC" ma:contentTypeVersion="14" ma:contentTypeDescription="Create a new document." ma:contentTypeScope="" ma:versionID="16aa88660fc2fdca5573e381835fe0c9">
   <xsd:schema xmlns:xsd="http://www.w3.org/2001/XMLSchema" xmlns:xs="http://www.w3.org/2001/XMLSchema" xmlns:p="http://schemas.microsoft.com/office/2006/metadata/properties" xmlns:ns3="92c41bee-f0ee-4aa6-9399-a35fbb883510" xmlns:ns4="e06ed288-fd75-4b50-bbed-f5a5df88c31c" targetNamespace="http://schemas.microsoft.com/office/2006/metadata/properties" ma:root="true" ma:fieldsID="d08ce21c39dd96af8dcee1a6fd74aaf6" ns3:_="" ns4:_="">
     <xsd:import namespace="92c41bee-f0ee-4aa6-9399-a35fbb883510"/>
@@ -23186,32 +23137,33 @@
 </ct:contentTypeSchema>
 </file>
 
+<file path=customXml/item3.xml><?xml version="1.0" encoding="utf-8"?>
+<?mso-contentType ?>
+<FormTemplates xmlns="http://schemas.microsoft.com/sharepoint/v3/contenttype/forms">
+  <Display>DocumentLibraryForm</Display>
+  <Edit>DocumentLibraryForm</Edit>
+  <New>DocumentLibraryForm</New>
+</FormTemplates>
+</file>
+
 <file path=customXml/itemProps1.xml><?xml version="1.0" encoding="utf-8"?>
 <ds:datastoreItem xmlns:ds="http://schemas.openxmlformats.org/officeDocument/2006/customXml" ds:itemID="{05D3EE4C-68D3-4BA3-94E6-383E2DFDD168}">
   <ds:schemaRefs>
+    <ds:schemaRef ds:uri="http://purl.org/dc/dcmitype/"/>
+    <ds:schemaRef ds:uri="http://schemas.microsoft.com/office/2006/documentManagement/types"/>
+    <ds:schemaRef ds:uri="http://schemas.microsoft.com/office/infopath/2007/PartnerControls"/>
+    <ds:schemaRef ds:uri="http://schemas.microsoft.com/office/2006/metadata/properties"/>
+    <ds:schemaRef ds:uri="e06ed288-fd75-4b50-bbed-f5a5df88c31c"/>
+    <ds:schemaRef ds:uri="http://schemas.openxmlformats.org/package/2006/metadata/core-properties"/>
+    <ds:schemaRef ds:uri="http://www.w3.org/XML/1998/namespace"/>
+    <ds:schemaRef ds:uri="92c41bee-f0ee-4aa6-9399-a35fbb883510"/>
+    <ds:schemaRef ds:uri="http://purl.org/dc/terms/"/>
     <ds:schemaRef ds:uri="http://purl.org/dc/elements/1.1/"/>
-    <ds:schemaRef ds:uri="http://schemas.microsoft.com/office/2006/documentManagement/types"/>
-    <ds:schemaRef ds:uri="http://schemas.microsoft.com/office/2006/metadata/properties"/>
-    <ds:schemaRef ds:uri="http://schemas.openxmlformats.org/package/2006/metadata/core-properties"/>
-    <ds:schemaRef ds:uri="92c41bee-f0ee-4aa6-9399-a35fbb883510"/>
-    <ds:schemaRef ds:uri="e06ed288-fd75-4b50-bbed-f5a5df88c31c"/>
-    <ds:schemaRef ds:uri="http://purl.org/dc/dcmitype/"/>
-    <ds:schemaRef ds:uri="http://schemas.microsoft.com/office/infopath/2007/PartnerControls"/>
-    <ds:schemaRef ds:uri="http://www.w3.org/XML/1998/namespace"/>
-    <ds:schemaRef ds:uri="http://purl.org/dc/terms/"/>
   </ds:schemaRefs>
 </ds:datastoreItem>
 </file>
 
 <file path=customXml/itemProps2.xml><?xml version="1.0" encoding="utf-8"?>
-<ds:datastoreItem xmlns:ds="http://schemas.openxmlformats.org/officeDocument/2006/customXml" ds:itemID="{ECBA097B-6123-4B8A-8BF9-8745C25437D5}">
-  <ds:schemaRefs>
-    <ds:schemaRef ds:uri="http://schemas.microsoft.com/sharepoint/v3/contenttype/forms"/>
-  </ds:schemaRefs>
-</ds:datastoreItem>
-</file>
-
-<file path=customXml/itemProps3.xml><?xml version="1.0" encoding="utf-8"?>
 <ds:datastoreItem xmlns:ds="http://schemas.openxmlformats.org/officeDocument/2006/customXml" ds:itemID="{ECE8EA35-9C42-4825-ABC6-2C345E857976}">
   <ds:schemaRefs>
     <ds:schemaRef ds:uri="http://schemas.microsoft.com/office/2006/metadata/contentType"/>
@@ -23228,4 +23180,12 @@
     <ds:schemaRef ds:uri="http://schemas.microsoft.com/internal/obd"/>
   </ds:schemaRefs>
 </ds:datastoreItem>
+</file>
+
+<file path=customXml/itemProps3.xml><?xml version="1.0" encoding="utf-8"?>
+<ds:datastoreItem xmlns:ds="http://schemas.openxmlformats.org/officeDocument/2006/customXml" ds:itemID="{ECBA097B-6123-4B8A-8BF9-8745C25437D5}">
+  <ds:schemaRefs>
+    <ds:schemaRef ds:uri="http://schemas.microsoft.com/sharepoint/v3/contenttype/forms"/>
+  </ds:schemaRefs>
+</ds:datastoreItem>
 </file>